--- a/docs/diagrams/UiComponentClassDiagram.pptx
+++ b/docs/diagrams/UiComponentClassDiagram.pptx
@@ -126,6 +126,10 @@
 </p:presentation>
 </file>
 
+<file path=ppt/revisionInfo.xml><?xml version="1.0" encoding="utf-8"?>
+<p1510:revInfo xmlns:a="http://schemas.openxmlformats.org/drawingml/2006/main" xmlns:r="http://schemas.openxmlformats.org/officeDocument/2006/relationships" xmlns:p1510="http://schemas.microsoft.com/office/powerpoint/2015/10/main"/>
+</file>
+
 <file path=ppt/notesMasters/notesMaster1.xml><?xml version="1.0" encoding="utf-8"?>
 <p:notesMaster xmlns:a="http://schemas.openxmlformats.org/drawingml/2006/main" xmlns:r="http://schemas.openxmlformats.org/officeDocument/2006/relationships" xmlns:p="http://schemas.openxmlformats.org/presentationml/2006/main">
   <p:cSld>
@@ -208,7 +212,7 @@
           <a:p>
             <a:fld id="{F5CC4B3F-88C1-4FFA-B1B6-F41C21DC6924}" type="datetimeFigureOut">
               <a:rPr lang="en-US" smtClean="0"/>
-              <a:t>11/2/17</a:t>
+              <a:t>11/13/2017</a:t>
             </a:fld>
             <a:endParaRPr lang="en-US"/>
           </a:p>
@@ -654,7 +658,7 @@
           <a:p>
             <a:fld id="{78C97017-6FC3-485B-9764-EAC9E56C1D49}" type="datetimeFigureOut">
               <a:rPr lang="en-US" smtClean="0"/>
-              <a:t>11/2/17</a:t>
+              <a:t>11/13/2017</a:t>
             </a:fld>
             <a:endParaRPr lang="en-US"/>
           </a:p>
@@ -822,7 +826,7 @@
           <a:p>
             <a:fld id="{78C97017-6FC3-485B-9764-EAC9E56C1D49}" type="datetimeFigureOut">
               <a:rPr lang="en-US" smtClean="0"/>
-              <a:t>11/2/17</a:t>
+              <a:t>11/13/2017</a:t>
             </a:fld>
             <a:endParaRPr lang="en-US"/>
           </a:p>
@@ -1000,7 +1004,7 @@
           <a:p>
             <a:fld id="{78C97017-6FC3-485B-9764-EAC9E56C1D49}" type="datetimeFigureOut">
               <a:rPr lang="en-US" smtClean="0"/>
-              <a:t>11/2/17</a:t>
+              <a:t>11/13/2017</a:t>
             </a:fld>
             <a:endParaRPr lang="en-US"/>
           </a:p>
@@ -1168,7 +1172,7 @@
           <a:p>
             <a:fld id="{78C97017-6FC3-485B-9764-EAC9E56C1D49}" type="datetimeFigureOut">
               <a:rPr lang="en-US" smtClean="0"/>
-              <a:t>11/2/17</a:t>
+              <a:t>11/13/2017</a:t>
             </a:fld>
             <a:endParaRPr lang="en-US"/>
           </a:p>
@@ -1413,7 +1417,7 @@
           <a:p>
             <a:fld id="{78C97017-6FC3-485B-9764-EAC9E56C1D49}" type="datetimeFigureOut">
               <a:rPr lang="en-US" smtClean="0"/>
-              <a:t>11/2/17</a:t>
+              <a:t>11/13/2017</a:t>
             </a:fld>
             <a:endParaRPr lang="en-US"/>
           </a:p>
@@ -1698,7 +1702,7 @@
           <a:p>
             <a:fld id="{78C97017-6FC3-485B-9764-EAC9E56C1D49}" type="datetimeFigureOut">
               <a:rPr lang="en-US" smtClean="0"/>
-              <a:t>11/2/17</a:t>
+              <a:t>11/13/2017</a:t>
             </a:fld>
             <a:endParaRPr lang="en-US"/>
           </a:p>
@@ -2117,7 +2121,7 @@
           <a:p>
             <a:fld id="{78C97017-6FC3-485B-9764-EAC9E56C1D49}" type="datetimeFigureOut">
               <a:rPr lang="en-US" smtClean="0"/>
-              <a:t>11/2/17</a:t>
+              <a:t>11/13/2017</a:t>
             </a:fld>
             <a:endParaRPr lang="en-US"/>
           </a:p>
@@ -2234,7 +2238,7 @@
           <a:p>
             <a:fld id="{78C97017-6FC3-485B-9764-EAC9E56C1D49}" type="datetimeFigureOut">
               <a:rPr lang="en-US" smtClean="0"/>
-              <a:t>11/2/17</a:t>
+              <a:t>11/13/2017</a:t>
             </a:fld>
             <a:endParaRPr lang="en-US"/>
           </a:p>
@@ -2329,7 +2333,7 @@
           <a:p>
             <a:fld id="{78C97017-6FC3-485B-9764-EAC9E56C1D49}" type="datetimeFigureOut">
               <a:rPr lang="en-US" smtClean="0"/>
-              <a:t>11/2/17</a:t>
+              <a:t>11/13/2017</a:t>
             </a:fld>
             <a:endParaRPr lang="en-US"/>
           </a:p>
@@ -2604,7 +2608,7 @@
           <a:p>
             <a:fld id="{78C97017-6FC3-485B-9764-EAC9E56C1D49}" type="datetimeFigureOut">
               <a:rPr lang="en-US" smtClean="0"/>
-              <a:t>11/2/17</a:t>
+              <a:t>11/13/2017</a:t>
             </a:fld>
             <a:endParaRPr lang="en-US"/>
           </a:p>
@@ -2856,7 +2860,7 @@
           <a:p>
             <a:fld id="{78C97017-6FC3-485B-9764-EAC9E56C1D49}" type="datetimeFigureOut">
               <a:rPr lang="en-US" smtClean="0"/>
-              <a:t>11/2/17</a:t>
+              <a:t>11/13/2017</a:t>
             </a:fld>
             <a:endParaRPr lang="en-US"/>
           </a:p>
@@ -3067,7 +3071,7 @@
           <a:p>
             <a:fld id="{78C97017-6FC3-485B-9764-EAC9E56C1D49}" type="datetimeFigureOut">
               <a:rPr lang="en-US" smtClean="0"/>
-              <a:t>11/2/17</a:t>
+              <a:t>11/13/2017</a:t>
             </a:fld>
             <a:endParaRPr lang="en-US"/>
           </a:p>
@@ -3450,8 +3454,8 @@
         </p:nvSpPr>
         <p:spPr>
           <a:xfrm>
-            <a:off x="1217465" y="1447800"/>
-            <a:ext cx="4917083" cy="3962400"/>
+            <a:off x="1217465" y="1447799"/>
+            <a:ext cx="4917083" cy="4114795"/>
           </a:xfrm>
           <a:prstGeom prst="roundRect">
             <a:avLst>
@@ -3918,7 +3922,7 @@
           <a:p>
             <a:pPr algn="ctr"/>
             <a:r>
-              <a:rPr lang="en-US" sz="1050" b="1" dirty="0" err="1" smtClean="0">
+              <a:rPr lang="en-US" sz="1050" b="1" dirty="0" err="1">
                 <a:solidFill>
                   <a:schemeClr val="accent3">
                     <a:lumMod val="75000"/>
@@ -4125,7 +4129,7 @@
         </p:nvSpPr>
         <p:spPr>
           <a:xfrm>
-            <a:off x="2592528" y="4966000"/>
+            <a:off x="2585614" y="5160957"/>
             <a:ext cx="1093635" cy="236841"/>
           </a:xfrm>
           <a:prstGeom prst="rect">
@@ -4453,14 +4457,16 @@
         <p:nvCxnSpPr>
           <p:cNvPr id="53" name="Elbow Connector 63"/>
           <p:cNvCxnSpPr>
+            <a:cxnSpLocks/>
+            <a:stCxn id="39" idx="2"/>
             <a:endCxn id="38" idx="1"/>
           </p:cNvCxnSpPr>
           <p:nvPr/>
         </p:nvCxnSpPr>
         <p:spPr>
           <a:xfrm rot="16200000" flipH="1">
-            <a:off x="1184119" y="3676012"/>
-            <a:ext cx="2396440" cy="420377"/>
+            <a:off x="1295194" y="3988957"/>
+            <a:ext cx="2411353" cy="169488"/>
           </a:xfrm>
           <a:prstGeom prst="bentConnector2">
             <a:avLst/>
@@ -4784,8 +4790,8 @@
         </p:nvCxnSpPr>
         <p:spPr>
           <a:xfrm rot="5400000">
-            <a:off x="3208856" y="2763307"/>
-            <a:ext cx="2798421" cy="1843806"/>
+            <a:off x="3107920" y="2857329"/>
+            <a:ext cx="2993378" cy="1850720"/>
           </a:xfrm>
           <a:prstGeom prst="bentConnector2">
             <a:avLst/>
@@ -5509,6 +5515,120 @@
           </a:p>
         </p:txBody>
       </p:sp>
+      <p:sp>
+        <p:nvSpPr>
+          <p:cNvPr id="45" name="Rectangle 11">
+            <a:extLst>
+              <a:ext uri="{FF2B5EF4-FFF2-40B4-BE49-F238E27FC236}">
+                <a16:creationId xmlns:a16="http://schemas.microsoft.com/office/drawing/2014/main" id="{9691773E-7132-451E-B3E0-AB14B5C65F25}"/>
+              </a:ext>
+            </a:extLst>
+          </p:cNvPr>
+          <p:cNvSpPr/>
+          <p:nvPr/>
+        </p:nvSpPr>
+        <p:spPr>
+          <a:xfrm>
+            <a:off x="2592526" y="4849825"/>
+            <a:ext cx="1093635" cy="236841"/>
+          </a:xfrm>
+          <a:prstGeom prst="rect">
+            <a:avLst/>
+          </a:prstGeom>
+          <a:ln w="19050">
+            <a:solidFill>
+              <a:schemeClr val="accent3"/>
+            </a:solidFill>
+          </a:ln>
+          <a:effectLst/>
+        </p:spPr>
+        <p:style>
+          <a:lnRef idx="1">
+            <a:schemeClr val="accent3"/>
+          </a:lnRef>
+          <a:fillRef idx="2">
+            <a:schemeClr val="accent3"/>
+          </a:fillRef>
+          <a:effectRef idx="1">
+            <a:schemeClr val="accent3"/>
+          </a:effectRef>
+          <a:fontRef idx="minor">
+            <a:schemeClr val="dk1"/>
+          </a:fontRef>
+        </p:style>
+        <p:txBody>
+          <a:bodyPr rtlCol="0" anchor="ctr"/>
+          <a:lstStyle/>
+          <a:p>
+            <a:pPr algn="ctr"/>
+            <a:r>
+              <a:rPr lang="en-US" sz="1050" b="1" dirty="0" err="1">
+                <a:solidFill>
+                  <a:schemeClr val="accent3">
+                    <a:lumMod val="75000"/>
+                  </a:schemeClr>
+                </a:solidFill>
+              </a:rPr>
+              <a:t>PersonCard</a:t>
+            </a:r>
+            <a:endParaRPr lang="en-SG" sz="1050" b="1" dirty="0">
+              <a:solidFill>
+                <a:schemeClr val="accent3">
+                  <a:lumMod val="75000"/>
+                </a:schemeClr>
+              </a:solidFill>
+            </a:endParaRPr>
+          </a:p>
+        </p:txBody>
+      </p:sp>
+      <p:cxnSp>
+        <p:nvCxnSpPr>
+          <p:cNvPr id="46" name="Elbow Connector 63">
+            <a:extLst>
+              <a:ext uri="{FF2B5EF4-FFF2-40B4-BE49-F238E27FC236}">
+                <a16:creationId xmlns:a16="http://schemas.microsoft.com/office/drawing/2014/main" id="{667B5449-9A8C-42FA-BBCB-7BA62719F48F}"/>
+              </a:ext>
+            </a:extLst>
+          </p:cNvPr>
+          <p:cNvCxnSpPr>
+            <a:cxnSpLocks/>
+            <a:stCxn id="39" idx="2"/>
+            <a:endCxn id="45" idx="1"/>
+          </p:cNvCxnSpPr>
+          <p:nvPr/>
+        </p:nvCxnSpPr>
+        <p:spPr>
+          <a:xfrm rot="16200000" flipH="1">
+            <a:off x="1454216" y="3829935"/>
+            <a:ext cx="2100221" cy="176400"/>
+          </a:xfrm>
+          <a:prstGeom prst="bentConnector2">
+            <a:avLst/>
+          </a:prstGeom>
+          <a:ln w="19050">
+            <a:solidFill>
+              <a:schemeClr val="accent3"/>
+            </a:solidFill>
+            <a:headEnd type="none" w="med" len="med"/>
+            <a:tailEnd type="arrow" w="med" len="med"/>
+          </a:ln>
+          <a:effectLst/>
+        </p:spPr>
+        <p:style>
+          <a:lnRef idx="1">
+            <a:schemeClr val="accent2"/>
+          </a:lnRef>
+          <a:fillRef idx="2">
+            <a:schemeClr val="accent2"/>
+          </a:fillRef>
+          <a:effectRef idx="1">
+            <a:schemeClr val="accent2"/>
+          </a:effectRef>
+          <a:fontRef idx="minor">
+            <a:schemeClr val="dk1"/>
+          </a:fontRef>
+        </p:style>
+      </p:cxnSp>
     </p:spTree>
     <p:extLst>
       <p:ext uri="{BB962C8B-B14F-4D97-AF65-F5344CB8AC3E}">
